--- a/Conference/2603_Moonshot/Poster.pptx
+++ b/Conference/2603_Moonshot/Poster.pptx
@@ -115,7 +115,7 @@
             <a:srgbClr val="A4A3A4"/>
           </p15:clr>
         </p15:guide>
-        <p15:guide id="2" pos="9536" userDrawn="1">
+        <p15:guide id="2" pos="9513" userDrawn="1">
           <p15:clr>
             <a:srgbClr val="A4A3A4"/>
           </p15:clr>
@@ -208,7 +208,7 @@
           <a:p>
             <a:fld id="{C14A695E-AD23-9B4D-9F17-168A07AB1E6F}" type="datetimeFigureOut">
               <a:rPr kumimoji="1" lang="ja-JP" altLang="en-US" smtClean="0"/>
-              <a:t>2026/1/20</a:t>
+              <a:t>2026/2/4</a:t>
             </a:fld>
             <a:endParaRPr kumimoji="1" lang="ja-JP" altLang="en-US"/>
           </a:p>
@@ -722,7 +722,7 @@
           <a:p>
             <a:fld id="{D933C9FA-98F7-4444-8E29-413DD2E365C8}" type="datetimeFigureOut">
               <a:rPr kumimoji="1" lang="ja-JP" altLang="en-US" smtClean="0"/>
-              <a:t>2026/1/20</a:t>
+              <a:t>2026/2/4</a:t>
             </a:fld>
             <a:endParaRPr kumimoji="1" lang="ja-JP" altLang="en-US"/>
           </a:p>
@@ -924,7 +924,7 @@
           <a:p>
             <a:fld id="{D933C9FA-98F7-4444-8E29-413DD2E365C8}" type="datetimeFigureOut">
               <a:rPr kumimoji="1" lang="ja-JP" altLang="en-US" smtClean="0"/>
-              <a:t>2026/1/20</a:t>
+              <a:t>2026/2/4</a:t>
             </a:fld>
             <a:endParaRPr kumimoji="1" lang="ja-JP" altLang="en-US"/>
           </a:p>
@@ -1136,7 +1136,7 @@
           <a:p>
             <a:fld id="{D933C9FA-98F7-4444-8E29-413DD2E365C8}" type="datetimeFigureOut">
               <a:rPr kumimoji="1" lang="ja-JP" altLang="en-US" smtClean="0"/>
-              <a:t>2026/1/20</a:t>
+              <a:t>2026/2/4</a:t>
             </a:fld>
             <a:endParaRPr kumimoji="1" lang="ja-JP" altLang="en-US"/>
           </a:p>
@@ -1338,7 +1338,7 @@
           <a:p>
             <a:fld id="{D933C9FA-98F7-4444-8E29-413DD2E365C8}" type="datetimeFigureOut">
               <a:rPr kumimoji="1" lang="ja-JP" altLang="en-US" smtClean="0"/>
-              <a:t>2026/1/20</a:t>
+              <a:t>2026/2/4</a:t>
             </a:fld>
             <a:endParaRPr kumimoji="1" lang="ja-JP" altLang="en-US"/>
           </a:p>
@@ -1582,7 +1582,7 @@
           <a:p>
             <a:fld id="{D933C9FA-98F7-4444-8E29-413DD2E365C8}" type="datetimeFigureOut">
               <a:rPr kumimoji="1" lang="ja-JP" altLang="en-US" smtClean="0"/>
-              <a:t>2026/1/20</a:t>
+              <a:t>2026/2/4</a:t>
             </a:fld>
             <a:endParaRPr kumimoji="1" lang="ja-JP" altLang="en-US"/>
           </a:p>
@@ -1878,7 +1878,7 @@
           <a:p>
             <a:fld id="{D933C9FA-98F7-4444-8E29-413DD2E365C8}" type="datetimeFigureOut">
               <a:rPr kumimoji="1" lang="ja-JP" altLang="en-US" smtClean="0"/>
-              <a:t>2026/1/20</a:t>
+              <a:t>2026/2/4</a:t>
             </a:fld>
             <a:endParaRPr kumimoji="1" lang="ja-JP" altLang="en-US"/>
           </a:p>
@@ -2309,7 +2309,7 @@
           <a:p>
             <a:fld id="{D933C9FA-98F7-4444-8E29-413DD2E365C8}" type="datetimeFigureOut">
               <a:rPr kumimoji="1" lang="ja-JP" altLang="en-US" smtClean="0"/>
-              <a:t>2026/1/20</a:t>
+              <a:t>2026/2/4</a:t>
             </a:fld>
             <a:endParaRPr kumimoji="1" lang="ja-JP" altLang="en-US"/>
           </a:p>
@@ -2427,7 +2427,7 @@
           <a:p>
             <a:fld id="{D933C9FA-98F7-4444-8E29-413DD2E365C8}" type="datetimeFigureOut">
               <a:rPr kumimoji="1" lang="ja-JP" altLang="en-US" smtClean="0"/>
-              <a:t>2026/1/20</a:t>
+              <a:t>2026/2/4</a:t>
             </a:fld>
             <a:endParaRPr kumimoji="1" lang="ja-JP" altLang="en-US"/>
           </a:p>
@@ -2522,7 +2522,7 @@
           <a:p>
             <a:fld id="{D933C9FA-98F7-4444-8E29-413DD2E365C8}" type="datetimeFigureOut">
               <a:rPr kumimoji="1" lang="ja-JP" altLang="en-US" smtClean="0"/>
-              <a:t>2026/1/20</a:t>
+              <a:t>2026/2/4</a:t>
             </a:fld>
             <a:endParaRPr kumimoji="1" lang="ja-JP" altLang="en-US"/>
           </a:p>
@@ -2831,7 +2831,7 @@
           <a:p>
             <a:fld id="{D933C9FA-98F7-4444-8E29-413DD2E365C8}" type="datetimeFigureOut">
               <a:rPr kumimoji="1" lang="ja-JP" altLang="en-US" smtClean="0"/>
-              <a:t>2026/1/20</a:t>
+              <a:t>2026/2/4</a:t>
             </a:fld>
             <a:endParaRPr kumimoji="1" lang="ja-JP" altLang="en-US"/>
           </a:p>
@@ -3088,7 +3088,7 @@
           <a:p>
             <a:fld id="{D933C9FA-98F7-4444-8E29-413DD2E365C8}" type="datetimeFigureOut">
               <a:rPr kumimoji="1" lang="ja-JP" altLang="en-US" smtClean="0"/>
-              <a:t>2026/1/20</a:t>
+              <a:t>2026/2/4</a:t>
             </a:fld>
             <a:endParaRPr kumimoji="1" lang="ja-JP" altLang="en-US"/>
           </a:p>
@@ -3333,7 +3333,7 @@
           <a:p>
             <a:fld id="{D933C9FA-98F7-4444-8E29-413DD2E365C8}" type="datetimeFigureOut">
               <a:rPr kumimoji="1" lang="ja-JP" altLang="en-US" smtClean="0"/>
-              <a:t>2026/1/20</a:t>
+              <a:t>2026/2/4</a:t>
             </a:fld>
             <a:endParaRPr kumimoji="1" lang="ja-JP" altLang="en-US"/>
           </a:p>
@@ -3740,10 +3740,10 @@
       </p:grpSpPr>
       <p:pic>
         <p:nvPicPr>
-          <p:cNvPr id="6" name="図 5">
+          <p:cNvPr id="12" name="図 11">
             <a:extLst>
               <a:ext uri="{FF2B5EF4-FFF2-40B4-BE49-F238E27FC236}">
-                <a16:creationId xmlns:a16="http://schemas.microsoft.com/office/drawing/2014/main" id="{953FAE0E-07D9-5A88-03F8-05D7F0DE2693}"/>
+                <a16:creationId xmlns:a16="http://schemas.microsoft.com/office/drawing/2014/main" id="{C9E359C2-52F3-92F1-0D10-716606A7936D}"/>
               </a:ext>
             </a:extLst>
           </p:cNvPr>
@@ -3760,8 +3760,8 @@
         </p:blipFill>
         <p:spPr>
           <a:xfrm>
-            <a:off x="1297567" y="5418033"/>
-            <a:ext cx="13525750" cy="11108164"/>
+            <a:off x="1329622" y="4905609"/>
+            <a:ext cx="13461642" cy="11126284"/>
           </a:xfrm>
           <a:prstGeom prst="rect">
             <a:avLst/>
@@ -3770,10 +3770,10 @@
       </p:pic>
       <p:pic>
         <p:nvPicPr>
-          <p:cNvPr id="14" name="図 13">
+          <p:cNvPr id="19" name="図 18">
             <a:extLst>
               <a:ext uri="{FF2B5EF4-FFF2-40B4-BE49-F238E27FC236}">
-                <a16:creationId xmlns:a16="http://schemas.microsoft.com/office/drawing/2014/main" id="{B523F739-76BF-F45E-D98D-FF4381FED8CB}"/>
+                <a16:creationId xmlns:a16="http://schemas.microsoft.com/office/drawing/2014/main" id="{3815D901-78AF-0A7F-F5F8-43A88A821CF7}"/>
               </a:ext>
             </a:extLst>
           </p:cNvPr>
@@ -3790,8 +3790,8 @@
         </p:blipFill>
         <p:spPr>
           <a:xfrm>
-            <a:off x="1297567" y="16976566"/>
-            <a:ext cx="27648026" cy="7950234"/>
+            <a:off x="15483949" y="4938298"/>
+            <a:ext cx="13560248" cy="11126284"/>
           </a:xfrm>
           <a:prstGeom prst="rect">
             <a:avLst/>
@@ -3800,10 +3800,10 @@
       </p:pic>
       <p:pic>
         <p:nvPicPr>
-          <p:cNvPr id="22" name="図 21">
+          <p:cNvPr id="25" name="図 24">
             <a:extLst>
               <a:ext uri="{FF2B5EF4-FFF2-40B4-BE49-F238E27FC236}">
-                <a16:creationId xmlns:a16="http://schemas.microsoft.com/office/drawing/2014/main" id="{DF86F5F9-FEC8-ABA1-F620-3EDCA2DEC572}"/>
+                <a16:creationId xmlns:a16="http://schemas.microsoft.com/office/drawing/2014/main" id="{93070E93-EF64-4E6E-23CB-D4BCB3E47926}"/>
               </a:ext>
             </a:extLst>
           </p:cNvPr>
@@ -3820,8 +3820,8 @@
         </p:blipFill>
         <p:spPr>
           <a:xfrm>
-            <a:off x="15483950" y="25364333"/>
-            <a:ext cx="13461643" cy="11614116"/>
+            <a:off x="1167954" y="636073"/>
+            <a:ext cx="27844712" cy="4133595"/>
           </a:xfrm>
           <a:prstGeom prst="rect">
             <a:avLst/>
@@ -3830,10 +3830,10 @@
       </p:pic>
       <p:pic>
         <p:nvPicPr>
-          <p:cNvPr id="24" name="図 23">
+          <p:cNvPr id="31" name="図 30">
             <a:extLst>
               <a:ext uri="{FF2B5EF4-FFF2-40B4-BE49-F238E27FC236}">
-                <a16:creationId xmlns:a16="http://schemas.microsoft.com/office/drawing/2014/main" id="{0D747BA2-EFBB-E52A-0195-79C32F6E442A}"/>
+                <a16:creationId xmlns:a16="http://schemas.microsoft.com/office/drawing/2014/main" id="{F5730CF0-D2B9-F7B1-98FB-EB6AEB1F3703}"/>
               </a:ext>
             </a:extLst>
           </p:cNvPr>
@@ -3850,8 +3850,8 @@
         </p:blipFill>
         <p:spPr>
           <a:xfrm>
-            <a:off x="15483949" y="37267491"/>
-            <a:ext cx="13461642" cy="4672950"/>
+            <a:off x="1094772" y="21620160"/>
+            <a:ext cx="13696492" cy="11894994"/>
           </a:xfrm>
           <a:prstGeom prst="rect">
             <a:avLst/>
@@ -3860,10 +3860,10 @@
       </p:pic>
       <p:pic>
         <p:nvPicPr>
-          <p:cNvPr id="4" name="図 3">
+          <p:cNvPr id="33" name="図 32">
             <a:extLst>
               <a:ext uri="{FF2B5EF4-FFF2-40B4-BE49-F238E27FC236}">
-                <a16:creationId xmlns:a16="http://schemas.microsoft.com/office/drawing/2014/main" id="{288AE891-2D64-D69F-F191-D766C9F8C5AF}"/>
+                <a16:creationId xmlns:a16="http://schemas.microsoft.com/office/drawing/2014/main" id="{71ABF65F-2596-2924-CAB4-C78E43BACD31}"/>
               </a:ext>
             </a:extLst>
           </p:cNvPr>
@@ -3880,8 +3880,8 @@
         </p:blipFill>
         <p:spPr>
           <a:xfrm>
-            <a:off x="1297567" y="863322"/>
-            <a:ext cx="27648024" cy="4038616"/>
+            <a:off x="15375527" y="21620160"/>
+            <a:ext cx="13735488" cy="11928861"/>
           </a:xfrm>
           <a:prstGeom prst="rect">
             <a:avLst/>
@@ -3890,10 +3890,10 @@
       </p:pic>
       <p:pic>
         <p:nvPicPr>
-          <p:cNvPr id="7" name="図 6">
+          <p:cNvPr id="35" name="図 34">
             <a:extLst>
               <a:ext uri="{FF2B5EF4-FFF2-40B4-BE49-F238E27FC236}">
-                <a16:creationId xmlns:a16="http://schemas.microsoft.com/office/drawing/2014/main" id="{7045E7FB-E0C2-F7F6-B754-03BD12CCA0FF}"/>
+                <a16:creationId xmlns:a16="http://schemas.microsoft.com/office/drawing/2014/main" id="{48FC610C-992E-D224-05F4-46D8F3CC555D}"/>
               </a:ext>
             </a:extLst>
           </p:cNvPr>
@@ -3910,8 +3910,8 @@
         </p:blipFill>
         <p:spPr>
           <a:xfrm>
-            <a:off x="15483949" y="5418034"/>
-            <a:ext cx="13461642" cy="11055514"/>
+            <a:off x="1243825" y="16378784"/>
+            <a:ext cx="27844712" cy="4981274"/>
           </a:xfrm>
           <a:prstGeom prst="rect">
             <a:avLst/>
@@ -3920,10 +3920,10 @@
       </p:pic>
       <p:pic>
         <p:nvPicPr>
-          <p:cNvPr id="9" name="図 8">
+          <p:cNvPr id="37" name="図 36">
             <a:extLst>
               <a:ext uri="{FF2B5EF4-FFF2-40B4-BE49-F238E27FC236}">
-                <a16:creationId xmlns:a16="http://schemas.microsoft.com/office/drawing/2014/main" id="{A92065BF-4628-7589-875B-289714950A48}"/>
+                <a16:creationId xmlns:a16="http://schemas.microsoft.com/office/drawing/2014/main" id="{1C8DE8C6-2273-F332-0F02-21B0769DEBBB}"/>
               </a:ext>
             </a:extLst>
           </p:cNvPr>
@@ -3940,8 +3940,8 @@
         </p:blipFill>
         <p:spPr>
           <a:xfrm>
-            <a:off x="1297567" y="25377169"/>
-            <a:ext cx="13493697" cy="16563272"/>
+            <a:off x="1161040" y="33701167"/>
+            <a:ext cx="27995384" cy="8293502"/>
           </a:xfrm>
           <a:prstGeom prst="rect">
             <a:avLst/>
